--- a/figures/fig1/fig1.pptx
+++ b/figures/fig1/fig1.pptx
@@ -5,10 +5,11 @@
     <p:sldMasterId id="2147483648" r:id="rId1"/>
   </p:sldMasterIdLst>
   <p:notesMasterIdLst>
-    <p:notesMasterId r:id="rId3"/>
+    <p:notesMasterId r:id="rId4"/>
   </p:notesMasterIdLst>
   <p:sldIdLst>
     <p:sldId id="256" r:id="rId2"/>
+    <p:sldId id="257" r:id="rId3"/>
   </p:sldIdLst>
   <p:sldSz cx="36576000" cy="32918400"/>
   <p:notesSz cx="7010400" cy="9296400"/>
@@ -257,7 +258,7 @@
       </p15:sldGuideLst>
     </p:ext>
     <p:ext uri="http://customooxmlschemas.google.com/">
-      <go:slidesCustomData xmlns:go="http://customooxmlschemas.google.com/" xmlns:ahyp="http://schemas.microsoft.com/office/drawing/2018/hyperlinkcolor" xmlns:p15="http://schemas.microsoft.com/office/powerpoint/2012/main" xmlns:p14="http://schemas.microsoft.com/office/powerpoint/2010/main" xmlns:com="http://schemas.openxmlformats.org/drawingml/2006/compatibility" xmlns:pvml="urn:schemas-microsoft-com:office:powerpoint" xmlns:v="urn:schemas-microsoft-com:vml" xmlns:o="urn:schemas-microsoft-com:office:office" xmlns:dgm="http://schemas.openxmlformats.org/drawingml/2006/diagram" xmlns:c="http://schemas.openxmlformats.org/drawingml/2006/chart" xmlns:mv="urn:schemas-microsoft-com:mac:vml" xmlns:mc="http://schemas.openxmlformats.org/markup-compatibility/2006" xmlns="" r:id="rId10" roundtripDataSignature="AMtx7mhiytGPk8UOxiAGs9KaAxakDbg4SQ=="/>
+      <go:slidesCustomData xmlns="" xmlns:mc="http://schemas.openxmlformats.org/markup-compatibility/2006" xmlns:mv="urn:schemas-microsoft-com:mac:vml" xmlns:c="http://schemas.openxmlformats.org/drawingml/2006/chart" xmlns:dgm="http://schemas.openxmlformats.org/drawingml/2006/diagram" xmlns:o="urn:schemas-microsoft-com:office:office" xmlns:v="urn:schemas-microsoft-com:vml" xmlns:pvml="urn:schemas-microsoft-com:office:powerpoint" xmlns:com="http://schemas.openxmlformats.org/drawingml/2006/compatibility" xmlns:p14="http://schemas.microsoft.com/office/powerpoint/2010/main" xmlns:p15="http://schemas.microsoft.com/office/powerpoint/2012/main" xmlns:ahyp="http://schemas.microsoft.com/office/drawing/2018/hyperlinkcolor" xmlns:go="http://customooxmlschemas.google.com/" r:id="rId10" roundtripDataSignature="AMtx7mhiytGPk8UOxiAGs9KaAxakDbg4SQ=="/>
     </p:ext>
   </p:extLst>
 </p:presentation>
@@ -1629,6 +1630,215 @@
         </p:txBody>
       </p:sp>
     </p:spTree>
+  </p:cSld>
+  <p:clrMapOvr>
+    <a:masterClrMapping/>
+  </p:clrMapOvr>
+</p:notes>
+</file>
+
+<file path=ppt/notesSlides/notesSlide2.xml><?xml version="1.0" encoding="utf-8"?>
+<p:notes xmlns:a="http://schemas.openxmlformats.org/drawingml/2006/main" xmlns:r="http://schemas.openxmlformats.org/officeDocument/2006/relationships" xmlns:p="http://schemas.openxmlformats.org/presentationml/2006/main" showMasterSp="0" showMasterPhAnim="0">
+  <p:cSld>
+    <p:spTree>
+      <p:nvGrpSpPr>
+        <p:cNvPr id="1" name="Shape 84">
+          <a:extLst>
+            <a:ext uri="{FF2B5EF4-FFF2-40B4-BE49-F238E27FC236}">
+              <a16:creationId xmlns:a16="http://schemas.microsoft.com/office/drawing/2014/main" id="{B69C3BEB-C881-D880-21FE-7F12E9CFA8BC}"/>
+            </a:ext>
+          </a:extLst>
+        </p:cNvPr>
+        <p:cNvGrpSpPr/>
+        <p:nvPr/>
+      </p:nvGrpSpPr>
+      <p:grpSpPr>
+        <a:xfrm>
+          <a:off x="0" y="0"/>
+          <a:ext cx="0" cy="0"/>
+          <a:chOff x="0" y="0"/>
+          <a:chExt cx="0" cy="0"/>
+        </a:xfrm>
+      </p:grpSpPr>
+      <p:sp>
+        <p:nvSpPr>
+          <p:cNvPr id="85" name="Google Shape;85;p1:notes">
+            <a:extLst>
+              <a:ext uri="{FF2B5EF4-FFF2-40B4-BE49-F238E27FC236}">
+                <a16:creationId xmlns:a16="http://schemas.microsoft.com/office/drawing/2014/main" id="{99F740B7-D2FC-4352-932F-141C5C91EBD6}"/>
+              </a:ext>
+            </a:extLst>
+          </p:cNvPr>
+          <p:cNvSpPr>
+            <a:spLocks noGrp="1" noRot="1" noChangeAspect="1"/>
+          </p:cNvSpPr>
+          <p:nvPr>
+            <p:ph type="sldImg" idx="2"/>
+          </p:nvPr>
+        </p:nvSpPr>
+        <p:spPr>
+          <a:xfrm>
+            <a:off x="1568450" y="696913"/>
+            <a:ext cx="3873500" cy="3486150"/>
+          </a:xfrm>
+          <a:custGeom>
+            <a:avLst/>
+            <a:gdLst/>
+            <a:ahLst/>
+            <a:cxnLst/>
+            <a:rect l="l" t="t" r="r" b="b"/>
+            <a:pathLst>
+              <a:path w="120000" h="120000" extrusionOk="0">
+                <a:moveTo>
+                  <a:pt x="0" y="0"/>
+                </a:moveTo>
+                <a:lnTo>
+                  <a:pt x="120000" y="0"/>
+                </a:lnTo>
+                <a:lnTo>
+                  <a:pt x="120000" y="120000"/>
+                </a:lnTo>
+                <a:lnTo>
+                  <a:pt x="0" y="120000"/>
+                </a:lnTo>
+                <a:close/>
+              </a:path>
+            </a:pathLst>
+          </a:custGeom>
+          <a:noFill/>
+          <a:ln w="9525" cap="flat" cmpd="sng">
+            <a:solidFill>
+              <a:srgbClr val="000000"/>
+            </a:solidFill>
+            <a:prstDash val="solid"/>
+            <a:miter lim="800000"/>
+            <a:headEnd type="none" w="sm" len="sm"/>
+            <a:tailEnd type="none" w="sm" len="sm"/>
+          </a:ln>
+        </p:spPr>
+      </p:sp>
+      <p:sp>
+        <p:nvSpPr>
+          <p:cNvPr id="86" name="Google Shape;86;p1:notes">
+            <a:extLst>
+              <a:ext uri="{FF2B5EF4-FFF2-40B4-BE49-F238E27FC236}">
+                <a16:creationId xmlns:a16="http://schemas.microsoft.com/office/drawing/2014/main" id="{4A07E3BF-2E5A-E044-8B82-95B3D6284B5E}"/>
+              </a:ext>
+            </a:extLst>
+          </p:cNvPr>
+          <p:cNvSpPr txBox="1">
+            <a:spLocks noGrp="1"/>
+          </p:cNvSpPr>
+          <p:nvPr>
+            <p:ph type="body" idx="1"/>
+          </p:nvPr>
+        </p:nvSpPr>
+        <p:spPr>
+          <a:xfrm>
+            <a:off x="701675" y="4416425"/>
+            <a:ext cx="5607050" cy="4183063"/>
+          </a:xfrm>
+          <a:prstGeom prst="rect">
+            <a:avLst/>
+          </a:prstGeom>
+          <a:noFill/>
+          <a:ln>
+            <a:noFill/>
+          </a:ln>
+        </p:spPr>
+        <p:txBody>
+          <a:bodyPr spcFirstLastPara="1" wrap="square" lIns="93150" tIns="46575" rIns="93150" bIns="46575" anchor="t" anchorCtr="0">
+            <a:noAutofit/>
+          </a:bodyPr>
+          <a:lstStyle/>
+          <a:p>
+            <a:pPr marL="0" lvl="0" indent="0" algn="l" rtl="0">
+              <a:spcBef>
+                <a:spcPts val="0"/>
+              </a:spcBef>
+              <a:spcAft>
+                <a:spcPts val="0"/>
+              </a:spcAft>
+              <a:buNone/>
+            </a:pPr>
+            <a:endParaRPr dirty="0"/>
+          </a:p>
+        </p:txBody>
+      </p:sp>
+      <p:sp>
+        <p:nvSpPr>
+          <p:cNvPr id="87" name="Google Shape;87;p1:notes">
+            <a:extLst>
+              <a:ext uri="{FF2B5EF4-FFF2-40B4-BE49-F238E27FC236}">
+                <a16:creationId xmlns:a16="http://schemas.microsoft.com/office/drawing/2014/main" id="{4EA9FA30-70E2-AE48-3BB6-8B3B8C960F6E}"/>
+              </a:ext>
+            </a:extLst>
+          </p:cNvPr>
+          <p:cNvSpPr txBox="1">
+            <a:spLocks noGrp="1"/>
+          </p:cNvSpPr>
+          <p:nvPr>
+            <p:ph type="sldNum" idx="12"/>
+          </p:nvPr>
+        </p:nvSpPr>
+        <p:spPr>
+          <a:xfrm>
+            <a:off x="3970338" y="8829675"/>
+            <a:ext cx="3038475" cy="465138"/>
+          </a:xfrm>
+          <a:prstGeom prst="rect">
+            <a:avLst/>
+          </a:prstGeom>
+          <a:noFill/>
+          <a:ln>
+            <a:noFill/>
+          </a:ln>
+        </p:spPr>
+        <p:txBody>
+          <a:bodyPr spcFirstLastPara="1" wrap="square" lIns="93150" tIns="46575" rIns="93150" bIns="46575" anchor="b" anchorCtr="0">
+            <a:noAutofit/>
+          </a:bodyPr>
+          <a:lstStyle/>
+          <a:p>
+            <a:pPr marL="0" marR="0" lvl="0" indent="0" algn="r" rtl="0">
+              <a:spcBef>
+                <a:spcPts val="0"/>
+              </a:spcBef>
+              <a:spcAft>
+                <a:spcPts val="0"/>
+              </a:spcAft>
+              <a:buNone/>
+            </a:pPr>
+            <a:fld id="{00000000-1234-1234-1234-123412341234}" type="slidenum">
+              <a:rPr lang="en-US" sz="1200" b="0" i="0" u="none" strike="noStrike" cap="none">
+                <a:solidFill>
+                  <a:schemeClr val="dk1"/>
+                </a:solidFill>
+                <a:latin typeface="Calibri"/>
+                <a:ea typeface="Calibri"/>
+                <a:cs typeface="Calibri"/>
+                <a:sym typeface="Calibri"/>
+              </a:rPr>
+              <a:t>2</a:t>
+            </a:fld>
+            <a:endParaRPr sz="1200" b="0" i="0" u="none" strike="noStrike" cap="none">
+              <a:solidFill>
+                <a:schemeClr val="dk1"/>
+              </a:solidFill>
+              <a:latin typeface="Calibri"/>
+              <a:ea typeface="Calibri"/>
+              <a:cs typeface="Calibri"/>
+              <a:sym typeface="Calibri"/>
+            </a:endParaRPr>
+          </a:p>
+        </p:txBody>
+      </p:sp>
+    </p:spTree>
+    <p:extLst>
+      <p:ext uri="{BB962C8B-B14F-4D97-AF65-F5344CB8AC3E}">
+        <p14:creationId xmlns:p14="http://schemas.microsoft.com/office/powerpoint/2010/main" val="1394582138"/>
+      </p:ext>
+    </p:extLst>
   </p:cSld>
   <p:clrMapOvr>
     <a:masterClrMapping/>
@@ -12640,7 +12850,7 @@
         </p:nvSpPr>
         <p:spPr>
           <a:xfrm>
-            <a:off x="2740935" y="13943127"/>
+            <a:off x="-15997639" y="13159182"/>
             <a:ext cx="11421278" cy="2516073"/>
           </a:xfrm>
           <a:prstGeom prst="rect">
@@ -12788,7 +12998,7 @@
         </p:nvGrpSpPr>
         <p:grpSpPr>
           <a:xfrm>
-            <a:off x="1343857" y="2004743"/>
+            <a:off x="-17394717" y="1220798"/>
             <a:ext cx="13212973" cy="11842883"/>
             <a:chOff x="955175" y="18084800"/>
             <a:chExt cx="12189299" cy="10706134"/>
@@ -13129,7 +13339,7 @@
         </p:blipFill>
         <p:spPr bwMode="auto">
           <a:xfrm>
-            <a:off x="4536785" y="4549293"/>
+            <a:off x="-14201789" y="3765348"/>
             <a:ext cx="3035762" cy="1881540"/>
           </a:xfrm>
           <a:prstGeom prst="rect">
@@ -13176,7 +13386,7 @@
         </p:blipFill>
         <p:spPr bwMode="auto">
           <a:xfrm>
-            <a:off x="10223500" y="9423663"/>
+            <a:off x="-8515074" y="8639718"/>
             <a:ext cx="2565400" cy="2084388"/>
           </a:xfrm>
           <a:prstGeom prst="rect">
@@ -13208,7 +13418,7 @@
         </p:nvSpPr>
         <p:spPr>
           <a:xfrm>
-            <a:off x="14560479" y="10465857"/>
+            <a:off x="-4178095" y="9681912"/>
             <a:ext cx="5346700" cy="738664"/>
           </a:xfrm>
           <a:prstGeom prst="rect">
@@ -13255,7 +13465,7 @@
         </p:nvGrpSpPr>
         <p:grpSpPr>
           <a:xfrm>
-            <a:off x="19198335" y="4202502"/>
+            <a:off x="37127201" y="4625793"/>
             <a:ext cx="15603470" cy="9791425"/>
             <a:chOff x="20286730" y="12493591"/>
             <a:chExt cx="11929026" cy="7584834"/>
@@ -13527,7 +13737,285 @@
           </p:txBody>
         </p:sp>
       </p:grpSp>
+      <p:pic>
+        <p:nvPicPr>
+          <p:cNvPr id="7" name="Graphic 6">
+            <a:extLst>
+              <a:ext uri="{FF2B5EF4-FFF2-40B4-BE49-F238E27FC236}">
+                <a16:creationId xmlns:a16="http://schemas.microsoft.com/office/drawing/2014/main" id="{EB079F8B-4538-B792-904C-F543F3837E3F}"/>
+              </a:ext>
+            </a:extLst>
+          </p:cNvPr>
+          <p:cNvPicPr>
+            <a:picLocks noChangeAspect="1"/>
+          </p:cNvPicPr>
+          <p:nvPr/>
+        </p:nvPicPr>
+        <p:blipFill>
+          <a:blip r:embed="rId13">
+            <a:extLst>
+              <a:ext uri="{96DAC541-7B7A-43D3-8B79-37D633B846F1}">
+                <asvg:svgBlip xmlns:asvg="http://schemas.microsoft.com/office/drawing/2016/SVG/main" r:embed="rId14"/>
+              </a:ext>
+            </a:extLst>
+          </a:blip>
+          <a:srcRect r="7614"/>
+          <a:stretch>
+            <a:fillRect/>
+          </a:stretch>
+        </p:blipFill>
+        <p:spPr>
+          <a:xfrm>
+            <a:off x="-1" y="7952763"/>
+            <a:ext cx="36576001" cy="24965637"/>
+          </a:xfrm>
+          <a:prstGeom prst="rect">
+            <a:avLst/>
+          </a:prstGeom>
+        </p:spPr>
+      </p:pic>
+      <p:pic>
+        <p:nvPicPr>
+          <p:cNvPr id="9" name="Graphic 8">
+            <a:extLst>
+              <a:ext uri="{FF2B5EF4-FFF2-40B4-BE49-F238E27FC236}">
+                <a16:creationId xmlns:a16="http://schemas.microsoft.com/office/drawing/2014/main" id="{6003E364-BF54-8FBE-51A3-BD2A3D498432}"/>
+              </a:ext>
+            </a:extLst>
+          </p:cNvPr>
+          <p:cNvPicPr>
+            <a:picLocks noChangeAspect="1"/>
+          </p:cNvPicPr>
+          <p:nvPr/>
+        </p:nvPicPr>
+        <p:blipFill>
+          <a:blip r:embed="rId15">
+            <a:extLst>
+              <a:ext uri="{96DAC541-7B7A-43D3-8B79-37D633B846F1}">
+                <asvg:svgBlip xmlns:asvg="http://schemas.microsoft.com/office/drawing/2016/SVG/main" r:embed="rId16"/>
+              </a:ext>
+            </a:extLst>
+          </a:blip>
+          <a:stretch>
+            <a:fillRect/>
+          </a:stretch>
+        </p:blipFill>
+        <p:spPr>
+          <a:xfrm>
+            <a:off x="24868004" y="11588351"/>
+            <a:ext cx="4583885" cy="3997532"/>
+          </a:xfrm>
+          <a:prstGeom prst="rect">
+            <a:avLst/>
+          </a:prstGeom>
+        </p:spPr>
+      </p:pic>
+      <p:pic>
+        <p:nvPicPr>
+          <p:cNvPr id="13" name="Graphic 12">
+            <a:extLst>
+              <a:ext uri="{FF2B5EF4-FFF2-40B4-BE49-F238E27FC236}">
+                <a16:creationId xmlns:a16="http://schemas.microsoft.com/office/drawing/2014/main" id="{5B09130F-FE77-340B-3A1A-69548F04AC34}"/>
+              </a:ext>
+            </a:extLst>
+          </p:cNvPr>
+          <p:cNvPicPr>
+            <a:picLocks noChangeAspect="1"/>
+          </p:cNvPicPr>
+          <p:nvPr/>
+        </p:nvPicPr>
+        <p:blipFill>
+          <a:blip r:embed="rId17">
+            <a:extLst>
+              <a:ext uri="{96DAC541-7B7A-43D3-8B79-37D633B846F1}">
+                <asvg:svgBlip xmlns:asvg="http://schemas.microsoft.com/office/drawing/2016/SVG/main" r:embed="rId18"/>
+              </a:ext>
+            </a:extLst>
+          </a:blip>
+          <a:stretch>
+            <a:fillRect/>
+          </a:stretch>
+        </p:blipFill>
+        <p:spPr>
+          <a:xfrm>
+            <a:off x="12512041" y="22174276"/>
+            <a:ext cx="4976978" cy="3934437"/>
+          </a:xfrm>
+          <a:prstGeom prst="rect">
+            <a:avLst/>
+          </a:prstGeom>
+        </p:spPr>
+      </p:pic>
+      <p:sp>
+        <p:nvSpPr>
+          <p:cNvPr id="14" name="TextBox 13">
+            <a:extLst>
+              <a:ext uri="{FF2B5EF4-FFF2-40B4-BE49-F238E27FC236}">
+                <a16:creationId xmlns:a16="http://schemas.microsoft.com/office/drawing/2014/main" id="{E06602AC-C6A6-E77F-69B9-79C468ECCC79}"/>
+              </a:ext>
+            </a:extLst>
+          </p:cNvPr>
+          <p:cNvSpPr txBox="1"/>
+          <p:nvPr/>
+        </p:nvSpPr>
+        <p:spPr>
+          <a:xfrm>
+            <a:off x="11338491" y="20805117"/>
+            <a:ext cx="7506958" cy="1323439"/>
+          </a:xfrm>
+          <a:prstGeom prst="rect">
+            <a:avLst/>
+          </a:prstGeom>
+          <a:noFill/>
+        </p:spPr>
+        <p:txBody>
+          <a:bodyPr wrap="square" rtlCol="0">
+            <a:spAutoFit/>
+          </a:bodyPr>
+          <a:lstStyle/>
+          <a:p>
+            <a:pPr algn="ctr"/>
+            <a:r>
+              <a:rPr lang="en-US" sz="8000" dirty="0"/>
+              <a:t>R</a:t>
+            </a:r>
+            <a:r>
+              <a:rPr lang="en-US" sz="8000" baseline="30000" dirty="0"/>
+              <a:t>2</a:t>
+            </a:r>
+            <a:r>
+              <a:rPr lang="en-US" sz="8000" dirty="0"/>
+              <a:t> = 0.90</a:t>
+            </a:r>
+          </a:p>
+        </p:txBody>
+      </p:sp>
+      <p:sp>
+        <p:nvSpPr>
+          <p:cNvPr id="20" name="TextBox 19">
+            <a:extLst>
+              <a:ext uri="{FF2B5EF4-FFF2-40B4-BE49-F238E27FC236}">
+                <a16:creationId xmlns:a16="http://schemas.microsoft.com/office/drawing/2014/main" id="{4E1986F3-E9CE-204F-265D-2825D3DA858B}"/>
+              </a:ext>
+            </a:extLst>
+          </p:cNvPr>
+          <p:cNvSpPr txBox="1"/>
+          <p:nvPr/>
+        </p:nvSpPr>
+        <p:spPr>
+          <a:xfrm>
+            <a:off x="23777722" y="15685501"/>
+            <a:ext cx="6855887" cy="1323439"/>
+          </a:xfrm>
+          <a:prstGeom prst="rect">
+            <a:avLst/>
+          </a:prstGeom>
+          <a:noFill/>
+        </p:spPr>
+        <p:txBody>
+          <a:bodyPr wrap="square" rtlCol="0">
+            <a:spAutoFit/>
+          </a:bodyPr>
+          <a:lstStyle/>
+          <a:p>
+            <a:pPr algn="ctr"/>
+            <a:r>
+              <a:rPr lang="en-US" sz="8000" dirty="0"/>
+              <a:t>R</a:t>
+            </a:r>
+            <a:r>
+              <a:rPr lang="en-US" sz="8000" baseline="30000" dirty="0"/>
+              <a:t>2</a:t>
+            </a:r>
+            <a:r>
+              <a:rPr lang="en-US" sz="8000" dirty="0"/>
+              <a:t> = 0.34</a:t>
+            </a:r>
+          </a:p>
+        </p:txBody>
+      </p:sp>
     </p:spTree>
+  </p:cSld>
+  <p:clrMapOvr>
+    <a:masterClrMapping/>
+  </p:clrMapOvr>
+</p:sld>
+</file>
+
+<file path=ppt/slides/slide2.xml><?xml version="1.0" encoding="utf-8"?>
+<p:sld xmlns:a="http://schemas.openxmlformats.org/drawingml/2006/main" xmlns:r="http://schemas.openxmlformats.org/officeDocument/2006/relationships" xmlns:p="http://schemas.openxmlformats.org/presentationml/2006/main">
+  <p:cSld>
+    <p:bg>
+      <p:bgPr>
+        <a:solidFill>
+          <a:schemeClr val="lt1"/>
+        </a:solidFill>
+        <a:effectLst/>
+      </p:bgPr>
+    </p:bg>
+    <p:spTree>
+      <p:nvGrpSpPr>
+        <p:cNvPr id="1" name="Shape 88">
+          <a:extLst>
+            <a:ext uri="{FF2B5EF4-FFF2-40B4-BE49-F238E27FC236}">
+              <a16:creationId xmlns:a16="http://schemas.microsoft.com/office/drawing/2014/main" id="{DB6041BE-7EEB-832C-5DBE-D4E76D7FBF94}"/>
+            </a:ext>
+          </a:extLst>
+        </p:cNvPr>
+        <p:cNvGrpSpPr/>
+        <p:nvPr/>
+      </p:nvGrpSpPr>
+      <p:grpSpPr>
+        <a:xfrm>
+          <a:off x="0" y="0"/>
+          <a:ext cx="0" cy="0"/>
+          <a:chOff x="0" y="0"/>
+          <a:chExt cx="0" cy="0"/>
+        </a:xfrm>
+      </p:grpSpPr>
+      <p:pic>
+        <p:nvPicPr>
+          <p:cNvPr id="4" name="Graphic 3">
+            <a:extLst>
+              <a:ext uri="{FF2B5EF4-FFF2-40B4-BE49-F238E27FC236}">
+                <a16:creationId xmlns:a16="http://schemas.microsoft.com/office/drawing/2014/main" id="{670B353F-2BA5-9C03-38C7-5BC86E242AE9}"/>
+              </a:ext>
+            </a:extLst>
+          </p:cNvPr>
+          <p:cNvPicPr>
+            <a:picLocks noChangeAspect="1"/>
+          </p:cNvPicPr>
+          <p:nvPr/>
+        </p:nvPicPr>
+        <p:blipFill>
+          <a:blip r:embed="rId3">
+            <a:extLst>
+              <a:ext uri="{96DAC541-7B7A-43D3-8B79-37D633B846F1}">
+                <asvg:svgBlip xmlns:asvg="http://schemas.microsoft.com/office/drawing/2016/SVG/main" r:embed="rId4"/>
+              </a:ext>
+            </a:extLst>
+          </a:blip>
+          <a:srcRect t="26389"/>
+          <a:stretch>
+            <a:fillRect/>
+          </a:stretch>
+        </p:blipFill>
+        <p:spPr>
+          <a:xfrm>
+            <a:off x="0" y="8686800"/>
+            <a:ext cx="36576000" cy="24231600"/>
+          </a:xfrm>
+          <a:prstGeom prst="rect">
+            <a:avLst/>
+          </a:prstGeom>
+        </p:spPr>
+      </p:pic>
+    </p:spTree>
+    <p:extLst>
+      <p:ext uri="{BB962C8B-B14F-4D97-AF65-F5344CB8AC3E}">
+        <p14:creationId xmlns:p14="http://schemas.microsoft.com/office/powerpoint/2010/main" val="2765723133"/>
+      </p:ext>
+    </p:extLst>
   </p:cSld>
   <p:clrMapOvr>
     <a:masterClrMapping/>

--- a/figures/fig1/fig1.pptx
+++ b/figures/fig1/fig1.pptx
@@ -258,7 +258,7 @@
       </p15:sldGuideLst>
     </p:ext>
     <p:ext uri="http://customooxmlschemas.google.com/">
-      <go:slidesCustomData xmlns="" xmlns:mc="http://schemas.openxmlformats.org/markup-compatibility/2006" xmlns:mv="urn:schemas-microsoft-com:mac:vml" xmlns:c="http://schemas.openxmlformats.org/drawingml/2006/chart" xmlns:dgm="http://schemas.openxmlformats.org/drawingml/2006/diagram" xmlns:o="urn:schemas-microsoft-com:office:office" xmlns:v="urn:schemas-microsoft-com:vml" xmlns:pvml="urn:schemas-microsoft-com:office:powerpoint" xmlns:com="http://schemas.openxmlformats.org/drawingml/2006/compatibility" xmlns:p14="http://schemas.microsoft.com/office/powerpoint/2010/main" xmlns:p15="http://schemas.microsoft.com/office/powerpoint/2012/main" xmlns:ahyp="http://schemas.microsoft.com/office/drawing/2018/hyperlinkcolor" xmlns:go="http://customooxmlschemas.google.com/" r:id="rId10" roundtripDataSignature="AMtx7mhiytGPk8UOxiAGs9KaAxakDbg4SQ=="/>
+      <go:slidesCustomData xmlns:go="http://customooxmlschemas.google.com/" xmlns:ahyp="http://schemas.microsoft.com/office/drawing/2018/hyperlinkcolor" xmlns:p15="http://schemas.microsoft.com/office/powerpoint/2012/main" xmlns:p14="http://schemas.microsoft.com/office/powerpoint/2010/main" xmlns:com="http://schemas.openxmlformats.org/drawingml/2006/compatibility" xmlns:pvml="urn:schemas-microsoft-com:office:powerpoint" xmlns:v="urn:schemas-microsoft-com:vml" xmlns:o="urn:schemas-microsoft-com:office:office" xmlns:dgm="http://schemas.openxmlformats.org/drawingml/2006/diagram" xmlns:c="http://schemas.openxmlformats.org/drawingml/2006/chart" xmlns:mv="urn:schemas-microsoft-com:mac:vml" xmlns:mc="http://schemas.openxmlformats.org/markup-compatibility/2006" xmlns="" r:id="rId10" roundtripDataSignature="AMtx7mhiytGPk8UOxiAGs9KaAxakDbg4SQ=="/>
     </p:ext>
   </p:extLst>
 </p:presentation>
@@ -12836,6 +12836,42 @@
           <a:chExt cx="0" cy="0"/>
         </a:xfrm>
       </p:grpSpPr>
+      <p:pic>
+        <p:nvPicPr>
+          <p:cNvPr id="4" name="Graphic 3">
+            <a:extLst>
+              <a:ext uri="{FF2B5EF4-FFF2-40B4-BE49-F238E27FC236}">
+                <a16:creationId xmlns:a16="http://schemas.microsoft.com/office/drawing/2014/main" id="{22B0A3EE-6EEF-B568-7A07-240C948FA381}"/>
+              </a:ext>
+            </a:extLst>
+          </p:cNvPr>
+          <p:cNvPicPr>
+            <a:picLocks noChangeAspect="1"/>
+          </p:cNvPicPr>
+          <p:nvPr/>
+        </p:nvPicPr>
+        <p:blipFill>
+          <a:blip r:embed="rId3">
+            <a:extLst>
+              <a:ext uri="{96DAC541-7B7A-43D3-8B79-37D633B846F1}">
+                <asvg:svgBlip xmlns:asvg="http://schemas.microsoft.com/office/drawing/2016/SVG/main" r:embed="rId4"/>
+              </a:ext>
+            </a:extLst>
+          </a:blip>
+          <a:stretch>
+            <a:fillRect/>
+          </a:stretch>
+        </p:blipFill>
+        <p:spPr>
+          <a:xfrm>
+            <a:off x="0" y="9853684"/>
+            <a:ext cx="36576000" cy="23064716"/>
+          </a:xfrm>
+          <a:prstGeom prst="rect">
+            <a:avLst/>
+          </a:prstGeom>
+        </p:spPr>
+      </p:pic>
       <p:sp>
         <p:nvSpPr>
           <p:cNvPr id="107" name="TextBox 106">
@@ -13111,10 +13147,10 @@
               <p:nvPr/>
             </p:nvPicPr>
             <p:blipFill>
-              <a:blip r:embed="rId3">
+              <a:blip r:embed="rId5">
                 <a:extLst>
                   <a:ext uri="{96DAC541-7B7A-43D3-8B79-37D633B846F1}">
-                    <asvg:svgBlip xmlns:asvg="http://schemas.microsoft.com/office/drawing/2016/SVG/main" r:embed="rId4"/>
+                    <asvg:svgBlip xmlns:asvg="http://schemas.microsoft.com/office/drawing/2016/SVG/main" r:embed="rId6"/>
                   </a:ext>
                 </a:extLst>
               </a:blip>
@@ -13253,10 +13289,10 @@
               <p:nvPr/>
             </p:nvPicPr>
             <p:blipFill>
-              <a:blip r:embed="rId3">
+              <a:blip r:embed="rId5">
                 <a:extLst>
                   <a:ext uri="{96DAC541-7B7A-43D3-8B79-37D633B846F1}">
-                    <asvg:svgBlip xmlns:asvg="http://schemas.microsoft.com/office/drawing/2016/SVG/main" r:embed="rId4"/>
+                    <asvg:svgBlip xmlns:asvg="http://schemas.microsoft.com/office/drawing/2016/SVG/main" r:embed="rId6"/>
                   </a:ext>
                 </a:extLst>
               </a:blip>
@@ -13288,10 +13324,10 @@
               <p:nvPr/>
             </p:nvPicPr>
             <p:blipFill>
-              <a:blip r:embed="rId3">
+              <a:blip r:embed="rId5">
                 <a:extLst>
                   <a:ext uri="{96DAC541-7B7A-43D3-8B79-37D633B846F1}">
-                    <asvg:svgBlip xmlns:asvg="http://schemas.microsoft.com/office/drawing/2016/SVG/main" r:embed="rId4"/>
+                    <asvg:svgBlip xmlns:asvg="http://schemas.microsoft.com/office/drawing/2016/SVG/main" r:embed="rId6"/>
                   </a:ext>
                 </a:extLst>
               </a:blip>
@@ -13325,7 +13361,7 @@
           <p:nvPr/>
         </p:nvPicPr>
         <p:blipFill>
-          <a:blip r:embed="rId5">
+          <a:blip r:embed="rId7">
             <a:extLst>
               <a:ext uri="{28A0092B-C50C-407E-A947-70E740481C1C}">
                 <a14:useLocalDpi xmlns:a14="http://schemas.microsoft.com/office/drawing/2010/main" val="0"/>
@@ -13372,7 +13408,7 @@
           <p:nvPr/>
         </p:nvPicPr>
         <p:blipFill>
-          <a:blip r:embed="rId6">
+          <a:blip r:embed="rId8">
             <a:extLst>
               <a:ext uri="{28A0092B-C50C-407E-A947-70E740481C1C}">
                 <a14:useLocalDpi xmlns:a14="http://schemas.microsoft.com/office/drawing/2010/main" val="0"/>
@@ -13486,10 +13522,10 @@
             <p:nvPr/>
           </p:nvPicPr>
           <p:blipFill>
-            <a:blip r:embed="rId7">
+            <a:blip r:embed="rId9">
               <a:extLst>
                 <a:ext uri="{96DAC541-7B7A-43D3-8B79-37D633B846F1}">
-                  <asvg:svgBlip xmlns:asvg="http://schemas.microsoft.com/office/drawing/2016/SVG/main" r:embed="rId8"/>
+                  <asvg:svgBlip xmlns:asvg="http://schemas.microsoft.com/office/drawing/2016/SVG/main" r:embed="rId10"/>
                 </a:ext>
               </a:extLst>
             </a:blip>
@@ -13521,10 +13557,10 @@
             <p:nvPr/>
           </p:nvPicPr>
           <p:blipFill>
-            <a:blip r:embed="rId9">
+            <a:blip r:embed="rId11">
               <a:extLst>
                 <a:ext uri="{96DAC541-7B7A-43D3-8B79-37D633B846F1}">
-                  <asvg:svgBlip xmlns:asvg="http://schemas.microsoft.com/office/drawing/2016/SVG/main" r:embed="rId10"/>
+                  <asvg:svgBlip xmlns:asvg="http://schemas.microsoft.com/office/drawing/2016/SVG/main" r:embed="rId12"/>
                 </a:ext>
               </a:extLst>
             </a:blip>
@@ -13557,10 +13593,10 @@
             <p:nvPr/>
           </p:nvPicPr>
           <p:blipFill>
-            <a:blip r:embed="rId11">
+            <a:blip r:embed="rId13">
               <a:extLst>
                 <a:ext uri="{96DAC541-7B7A-43D3-8B79-37D633B846F1}">
-                  <asvg:svgBlip xmlns:asvg="http://schemas.microsoft.com/office/drawing/2016/SVG/main" r:embed="rId12"/>
+                  <asvg:svgBlip xmlns:asvg="http://schemas.microsoft.com/office/drawing/2016/SVG/main" r:embed="rId14"/>
                 </a:ext>
               </a:extLst>
             </a:blip>
@@ -13739,43 +13775,6 @@
       </p:grpSp>
       <p:pic>
         <p:nvPicPr>
-          <p:cNvPr id="7" name="Graphic 6">
-            <a:extLst>
-              <a:ext uri="{FF2B5EF4-FFF2-40B4-BE49-F238E27FC236}">
-                <a16:creationId xmlns:a16="http://schemas.microsoft.com/office/drawing/2014/main" id="{EB079F8B-4538-B792-904C-F543F3837E3F}"/>
-              </a:ext>
-            </a:extLst>
-          </p:cNvPr>
-          <p:cNvPicPr>
-            <a:picLocks noChangeAspect="1"/>
-          </p:cNvPicPr>
-          <p:nvPr/>
-        </p:nvPicPr>
-        <p:blipFill>
-          <a:blip r:embed="rId13">
-            <a:extLst>
-              <a:ext uri="{96DAC541-7B7A-43D3-8B79-37D633B846F1}">
-                <asvg:svgBlip xmlns:asvg="http://schemas.microsoft.com/office/drawing/2016/SVG/main" r:embed="rId14"/>
-              </a:ext>
-            </a:extLst>
-          </a:blip>
-          <a:srcRect r="7614"/>
-          <a:stretch>
-            <a:fillRect/>
-          </a:stretch>
-        </p:blipFill>
-        <p:spPr>
-          <a:xfrm>
-            <a:off x="-1" y="7952763"/>
-            <a:ext cx="36576001" cy="24965637"/>
-          </a:xfrm>
-          <a:prstGeom prst="rect">
-            <a:avLst/>
-          </a:prstGeom>
-        </p:spPr>
-      </p:pic>
-      <p:pic>
-        <p:nvPicPr>
           <p:cNvPr id="9" name="Graphic 8">
             <a:extLst>
               <a:ext uri="{FF2B5EF4-FFF2-40B4-BE49-F238E27FC236}">
@@ -13802,8 +13801,8 @@
         </p:blipFill>
         <p:spPr>
           <a:xfrm>
-            <a:off x="24868004" y="11588351"/>
-            <a:ext cx="4583885" cy="3997532"/>
+            <a:off x="23404965" y="13248473"/>
+            <a:ext cx="4255635" cy="3711270"/>
           </a:xfrm>
           <a:prstGeom prst="rect">
             <a:avLst/>
@@ -13838,8 +13837,8 @@
         </p:blipFill>
         <p:spPr>
           <a:xfrm>
-            <a:off x="12512041" y="22174276"/>
-            <a:ext cx="4976978" cy="3934437"/>
+            <a:off x="11598495" y="22776062"/>
+            <a:ext cx="4620578" cy="3652692"/>
           </a:xfrm>
           <a:prstGeom prst="rect">
             <a:avLst/>
@@ -13860,8 +13859,8 @@
         </p:nvSpPr>
         <p:spPr>
           <a:xfrm>
-            <a:off x="11338491" y="20805117"/>
-            <a:ext cx="7506958" cy="1323439"/>
+            <a:off x="10515530" y="21466566"/>
+            <a:ext cx="6969387" cy="1169551"/>
           </a:xfrm>
           <a:prstGeom prst="rect">
             <a:avLst/>
@@ -13876,15 +13875,15 @@
           <a:p>
             <a:pPr algn="ctr"/>
             <a:r>
-              <a:rPr lang="en-US" sz="8000" dirty="0"/>
+              <a:rPr lang="en-US" sz="7000" dirty="0"/>
               <a:t>R</a:t>
             </a:r>
             <a:r>
-              <a:rPr lang="en-US" sz="8000" baseline="30000" dirty="0"/>
+              <a:rPr lang="en-US" sz="7000" baseline="30000" dirty="0"/>
               <a:t>2</a:t>
             </a:r>
             <a:r>
-              <a:rPr lang="en-US" sz="8000" dirty="0"/>
+              <a:rPr lang="en-US" sz="7000" dirty="0"/>
               <a:t> = 0.90</a:t>
             </a:r>
           </a:p>
@@ -13904,8 +13903,8 @@
         </p:nvSpPr>
         <p:spPr>
           <a:xfrm>
-            <a:off x="23777722" y="15685501"/>
-            <a:ext cx="6855887" cy="1323439"/>
+            <a:off x="22268963" y="17109564"/>
+            <a:ext cx="6364938" cy="1169551"/>
           </a:xfrm>
           <a:prstGeom prst="rect">
             <a:avLst/>
@@ -13920,15 +13919,15 @@
           <a:p>
             <a:pPr algn="ctr"/>
             <a:r>
-              <a:rPr lang="en-US" sz="8000" dirty="0"/>
+              <a:rPr lang="en-US" sz="7000" dirty="0"/>
               <a:t>R</a:t>
             </a:r>
             <a:r>
-              <a:rPr lang="en-US" sz="8000" baseline="30000" dirty="0"/>
+              <a:rPr lang="en-US" sz="7000" baseline="30000" dirty="0"/>
               <a:t>2</a:t>
             </a:r>
             <a:r>
-              <a:rPr lang="en-US" sz="8000" dirty="0"/>
+              <a:rPr lang="en-US" sz="7000" dirty="0"/>
               <a:t> = 0.34</a:t>
             </a:r>
           </a:p>
@@ -13975,10 +13974,10 @@
       </p:grpSpPr>
       <p:pic>
         <p:nvPicPr>
-          <p:cNvPr id="4" name="Graphic 3">
+          <p:cNvPr id="3" name="Graphic 2">
             <a:extLst>
               <a:ext uri="{FF2B5EF4-FFF2-40B4-BE49-F238E27FC236}">
-                <a16:creationId xmlns:a16="http://schemas.microsoft.com/office/drawing/2014/main" id="{670B353F-2BA5-9C03-38C7-5BC86E242AE9}"/>
+                <a16:creationId xmlns:a16="http://schemas.microsoft.com/office/drawing/2014/main" id="{5A21FE9B-A9F0-51E6-DEF9-2B218382886C}"/>
               </a:ext>
             </a:extLst>
           </p:cNvPr>
@@ -13995,15 +13994,15 @@
               </a:ext>
             </a:extLst>
           </a:blip>
-          <a:srcRect t="26389"/>
+          <a:srcRect l="1875" t="35000" r="9876" b="2361"/>
           <a:stretch>
             <a:fillRect/>
           </a:stretch>
         </p:blipFill>
         <p:spPr>
           <a:xfrm>
-            <a:off x="0" y="8686800"/>
-            <a:ext cx="36576000" cy="24231600"/>
+            <a:off x="0" y="9553278"/>
+            <a:ext cx="36576000" cy="23365122"/>
           </a:xfrm>
           <a:prstGeom prst="rect">
             <a:avLst/>

--- a/figures/fig1/fig1.pptx
+++ b/figures/fig1/fig1.pptx
@@ -258,7 +258,7 @@
       </p15:sldGuideLst>
     </p:ext>
     <p:ext uri="http://customooxmlschemas.google.com/">
-      <go:slidesCustomData xmlns:go="http://customooxmlschemas.google.com/" xmlns:ahyp="http://schemas.microsoft.com/office/drawing/2018/hyperlinkcolor" xmlns:p15="http://schemas.microsoft.com/office/powerpoint/2012/main" xmlns:p14="http://schemas.microsoft.com/office/powerpoint/2010/main" xmlns:com="http://schemas.openxmlformats.org/drawingml/2006/compatibility" xmlns:pvml="urn:schemas-microsoft-com:office:powerpoint" xmlns:v="urn:schemas-microsoft-com:vml" xmlns:o="urn:schemas-microsoft-com:office:office" xmlns:dgm="http://schemas.openxmlformats.org/drawingml/2006/diagram" xmlns:c="http://schemas.openxmlformats.org/drawingml/2006/chart" xmlns:mv="urn:schemas-microsoft-com:mac:vml" xmlns:mc="http://schemas.openxmlformats.org/markup-compatibility/2006" xmlns="" r:id="rId10" roundtripDataSignature="AMtx7mhiytGPk8UOxiAGs9KaAxakDbg4SQ=="/>
+      <go:slidesCustomData xmlns="" xmlns:mc="http://schemas.openxmlformats.org/markup-compatibility/2006" xmlns:mv="urn:schemas-microsoft-com:mac:vml" xmlns:c="http://schemas.openxmlformats.org/drawingml/2006/chart" xmlns:dgm="http://schemas.openxmlformats.org/drawingml/2006/diagram" xmlns:o="urn:schemas-microsoft-com:office:office" xmlns:v="urn:schemas-microsoft-com:vml" xmlns:pvml="urn:schemas-microsoft-com:office:powerpoint" xmlns:com="http://schemas.openxmlformats.org/drawingml/2006/compatibility" xmlns:p14="http://schemas.microsoft.com/office/powerpoint/2010/main" xmlns:p15="http://schemas.microsoft.com/office/powerpoint/2012/main" xmlns:ahyp="http://schemas.microsoft.com/office/drawing/2018/hyperlinkcolor" xmlns:go="http://customooxmlschemas.google.com/" r:id="rId10" roundtripDataSignature="AMtx7mhiytGPk8UOxiAGs9KaAxakDbg4SQ=="/>
     </p:ext>
   </p:extLst>
 </p:presentation>
@@ -13933,6 +13933,78 @@
           </a:p>
         </p:txBody>
       </p:sp>
+      <p:sp>
+        <p:nvSpPr>
+          <p:cNvPr id="8" name="TextBox 7">
+            <a:extLst>
+              <a:ext uri="{FF2B5EF4-FFF2-40B4-BE49-F238E27FC236}">
+                <a16:creationId xmlns:a16="http://schemas.microsoft.com/office/drawing/2014/main" id="{F12463FB-BD79-BF93-5BF4-71DEB75C0638}"/>
+              </a:ext>
+            </a:extLst>
+          </p:cNvPr>
+          <p:cNvSpPr txBox="1"/>
+          <p:nvPr/>
+        </p:nvSpPr>
+        <p:spPr>
+          <a:xfrm>
+            <a:off x="5382866" y="12237466"/>
+            <a:ext cx="1074203" cy="1323439"/>
+          </a:xfrm>
+          <a:prstGeom prst="rect">
+            <a:avLst/>
+          </a:prstGeom>
+          <a:noFill/>
+        </p:spPr>
+        <p:txBody>
+          <a:bodyPr wrap="square" rtlCol="0">
+            <a:spAutoFit/>
+          </a:bodyPr>
+          <a:lstStyle/>
+          <a:p>
+            <a:pPr algn="ctr"/>
+            <a:r>
+              <a:rPr lang="en-US" sz="8000" b="1" dirty="0"/>
+              <a:t>A</a:t>
+            </a:r>
+          </a:p>
+        </p:txBody>
+      </p:sp>
+      <p:sp>
+        <p:nvSpPr>
+          <p:cNvPr id="21" name="TextBox 20">
+            <a:extLst>
+              <a:ext uri="{FF2B5EF4-FFF2-40B4-BE49-F238E27FC236}">
+                <a16:creationId xmlns:a16="http://schemas.microsoft.com/office/drawing/2014/main" id="{660D6EB9-E224-DB96-6D11-D60D7FCD6D15}"/>
+              </a:ext>
+            </a:extLst>
+          </p:cNvPr>
+          <p:cNvSpPr txBox="1"/>
+          <p:nvPr/>
+        </p:nvSpPr>
+        <p:spPr>
+          <a:xfrm>
+            <a:off x="20230270" y="12238430"/>
+            <a:ext cx="1074203" cy="1323439"/>
+          </a:xfrm>
+          <a:prstGeom prst="rect">
+            <a:avLst/>
+          </a:prstGeom>
+          <a:noFill/>
+        </p:spPr>
+        <p:txBody>
+          <a:bodyPr wrap="square" rtlCol="0">
+            <a:spAutoFit/>
+          </a:bodyPr>
+          <a:lstStyle/>
+          <a:p>
+            <a:pPr algn="ctr"/>
+            <a:r>
+              <a:rPr lang="en-US" sz="8000" b="1" dirty="0"/>
+              <a:t>B</a:t>
+            </a:r>
+          </a:p>
+        </p:txBody>
+      </p:sp>
     </p:spTree>
   </p:cSld>
   <p:clrMapOvr>
@@ -13974,10 +14046,10 @@
       </p:grpSpPr>
       <p:pic>
         <p:nvPicPr>
-          <p:cNvPr id="3" name="Graphic 2">
+          <p:cNvPr id="4" name="Graphic 3">
             <a:extLst>
               <a:ext uri="{FF2B5EF4-FFF2-40B4-BE49-F238E27FC236}">
-                <a16:creationId xmlns:a16="http://schemas.microsoft.com/office/drawing/2014/main" id="{5A21FE9B-A9F0-51E6-DEF9-2B218382886C}"/>
+                <a16:creationId xmlns:a16="http://schemas.microsoft.com/office/drawing/2014/main" id="{0D1688A4-19B5-CC5F-2F4B-C7F92DC33540}"/>
               </a:ext>
             </a:extLst>
           </p:cNvPr>
@@ -13994,15 +14066,15 @@
               </a:ext>
             </a:extLst>
           </a:blip>
-          <a:srcRect l="1875" t="35000" r="9876" b="2361"/>
+          <a:srcRect l="1607" t="35119" r="9823" b="1984"/>
           <a:stretch>
             <a:fillRect/>
           </a:stretch>
         </p:blipFill>
         <p:spPr>
           <a:xfrm>
-            <a:off x="0" y="9553278"/>
-            <a:ext cx="36576000" cy="23365122"/>
+            <a:off x="0" y="9542205"/>
+            <a:ext cx="36576000" cy="23376195"/>
           </a:xfrm>
           <a:prstGeom prst="rect">
             <a:avLst/>
